--- a/CustomerEngagements/beyondsoft/DR-Solution.pptx
+++ b/CustomerEngagements/beyondsoft/DR-Solution.pptx
@@ -12175,7 +12175,7 @@
           <p:nvPr>
             <p:extLst>
               <p:ext uri="{D42A27DB-BD31-4B8C-83A1-F6EECF244321}">
-                <p14:modId xmlns:p14="http://schemas.microsoft.com/office/powerpoint/2010/main" val="2882151821"/>
+                <p14:modId xmlns:p14="http://schemas.microsoft.com/office/powerpoint/2010/main" val="1126950200"/>
               </p:ext>
             </p:extLst>
           </p:nvPr>
@@ -12191,21 +12191,21 @@
                 <a:tableStyleId>{5C22544A-7EE6-4342-B048-85BDC9FD1C3A}</a:tableStyleId>
               </a:tblPr>
               <a:tblGrid>
-                <a:gridCol w="7156027">
+                <a:gridCol w="5500914">
                   <a:extLst>
                     <a:ext uri="{9D8B030D-6E8A-4147-A177-3AD203B41FA5}">
                       <a16:colId xmlns:a16="http://schemas.microsoft.com/office/drawing/2014/main" val="1330232464"/>
                     </a:ext>
                   </a:extLst>
                 </a:gridCol>
-                <a:gridCol w="7156027">
+                <a:gridCol w="5152572">
                   <a:extLst>
                     <a:ext uri="{9D8B030D-6E8A-4147-A177-3AD203B41FA5}">
                       <a16:colId xmlns:a16="http://schemas.microsoft.com/office/drawing/2014/main" val="3644617438"/>
                     </a:ext>
                   </a:extLst>
                 </a:gridCol>
-                <a:gridCol w="7156027">
+                <a:gridCol w="10814595">
                   <a:extLst>
                     <a:ext uri="{9D8B030D-6E8A-4147-A177-3AD203B41FA5}">
                       <a16:colId xmlns:a16="http://schemas.microsoft.com/office/drawing/2014/main" val="3453447567"/>
@@ -12236,7 +12236,7 @@
                       <a:pPr algn="ctr"/>
                       <a:r>
                         <a:rPr lang="en-IN" dirty="0"/>
-                        <a:t>Backend</a:t>
+                        <a:t>Api Engineer</a:t>
                       </a:r>
                     </a:p>
                   </a:txBody>
@@ -12250,7 +12250,7 @@
                       <a:pPr algn="ctr"/>
                       <a:r>
                         <a:rPr lang="en-IN" dirty="0"/>
-                        <a:t>Frontend</a:t>
+                        <a:t>Key Activities</a:t>
                       </a:r>
                     </a:p>
                   </a:txBody>
@@ -12283,7 +12283,10 @@
                     <a:lstStyle/>
                     <a:p>
                       <a:pPr algn="ctr"/>
-                      <a:endParaRPr lang="en-IN" dirty="0"/>
+                      <a:r>
+                        <a:rPr lang="en-IN" dirty="0"/>
+                        <a:t>2</a:t>
+                      </a:r>
                     </a:p>
                   </a:txBody>
                   <a:tcPr anchor="ctr"/>
@@ -12294,7 +12297,17 @@
                     <a:lstStyle/>
                     <a:p>
                       <a:pPr algn="ctr"/>
-                      <a:endParaRPr lang="en-IN" dirty="0"/>
+                      <a:r>
+                        <a:rPr lang="en-IN" dirty="0"/>
+                        <a:t>Open Api specification / Data Design +</a:t>
+                      </a:r>
+                    </a:p>
+                    <a:p>
+                      <a:pPr algn="ctr"/>
+                      <a:r>
+                        <a:rPr lang="en-IN" dirty="0"/>
+                        <a:t>Spring Boot Api’s + GitOps </a:t>
+                      </a:r>
                     </a:p>
                   </a:txBody>
                   <a:tcPr anchor="ctr"/>
@@ -12326,7 +12339,10 @@
                     <a:lstStyle/>
                     <a:p>
                       <a:pPr algn="ctr"/>
-                      <a:endParaRPr lang="en-IN" dirty="0"/>
+                      <a:r>
+                        <a:rPr lang="en-IN" dirty="0"/>
+                        <a:t>1</a:t>
+                      </a:r>
                     </a:p>
                   </a:txBody>
                   <a:tcPr anchor="ctr"/>
@@ -12337,7 +12353,10 @@
                     <a:lstStyle/>
                     <a:p>
                       <a:pPr algn="ctr"/>
-                      <a:endParaRPr lang="en-IN" dirty="0"/>
+                      <a:r>
+                        <a:rPr lang="en-IN" dirty="0"/>
+                        <a:t>User/Role/Group/Transaction/ Session / Authentication/ MFA / Activity Logs</a:t>
+                      </a:r>
                     </a:p>
                   </a:txBody>
                   <a:tcPr anchor="ctr"/>
@@ -12355,7 +12374,10 @@
                     <a:lstStyle/>
                     <a:p>
                       <a:pPr algn="ctr"/>
-                      <a:endParaRPr lang="en-IN" dirty="0"/>
+                      <a:r>
+                        <a:rPr lang="en-IN" dirty="0"/>
+                        <a:t>Workflow</a:t>
+                      </a:r>
                     </a:p>
                   </a:txBody>
                   <a:tcPr anchor="ctr"/>
@@ -12366,7 +12388,10 @@
                     <a:lstStyle/>
                     <a:p>
                       <a:pPr algn="ctr"/>
-                      <a:endParaRPr lang="en-IN" dirty="0"/>
+                      <a:r>
+                        <a:rPr lang="en-IN" dirty="0"/>
+                        <a:t>3</a:t>
+                      </a:r>
                     </a:p>
                   </a:txBody>
                   <a:tcPr anchor="ctr"/>
@@ -12377,7 +12402,10 @@
                     <a:lstStyle/>
                     <a:p>
                       <a:pPr algn="ctr"/>
-                      <a:endParaRPr lang="en-IN" dirty="0"/>
+                      <a:r>
+                        <a:rPr lang="en-IN" dirty="0"/>
+                        <a:t>Automation flows using Aws steps and lambdas (Golang / node / python)</a:t>
+                      </a:r>
                     </a:p>
                   </a:txBody>
                   <a:tcPr anchor="ctr"/>
@@ -12395,7 +12423,10 @@
                     <a:lstStyle/>
                     <a:p>
                       <a:pPr algn="ctr"/>
-                      <a:endParaRPr lang="en-IN"/>
+                      <a:r>
+                        <a:rPr lang="en-IN" dirty="0"/>
+                        <a:t>Monitoring</a:t>
+                      </a:r>
                     </a:p>
                   </a:txBody>
                   <a:tcPr anchor="ctr"/>
@@ -12406,7 +12437,10 @@
                     <a:lstStyle/>
                     <a:p>
                       <a:pPr algn="ctr"/>
-                      <a:endParaRPr lang="en-IN"/>
+                      <a:r>
+                        <a:rPr lang="en-IN" dirty="0"/>
+                        <a:t>2</a:t>
+                      </a:r>
                     </a:p>
                   </a:txBody>
                   <a:tcPr anchor="ctr"/>
@@ -12417,7 +12451,10 @@
                     <a:lstStyle/>
                     <a:p>
                       <a:pPr algn="ctr"/>
-                      <a:endParaRPr lang="en-IN"/>
+                      <a:r>
+                        <a:rPr lang="en-IN" dirty="0"/>
+                        <a:t>Write routines for continuous data collection and implements algorithms deduce SLA’s</a:t>
+                      </a:r>
                     </a:p>
                   </a:txBody>
                   <a:tcPr anchor="ctr"/>
@@ -12435,7 +12472,10 @@
                     <a:lstStyle/>
                     <a:p>
                       <a:pPr algn="ctr"/>
-                      <a:endParaRPr lang="en-IN"/>
+                      <a:r>
+                        <a:rPr lang="en-IN" dirty="0"/>
+                        <a:t>Analytics</a:t>
+                      </a:r>
                     </a:p>
                   </a:txBody>
                   <a:tcPr anchor="ctr"/>
@@ -12446,7 +12486,10 @@
                     <a:lstStyle/>
                     <a:p>
                       <a:pPr algn="ctr"/>
-                      <a:endParaRPr lang="en-IN"/>
+                      <a:r>
+                        <a:rPr lang="en-IN" dirty="0"/>
+                        <a:t>2</a:t>
+                      </a:r>
                     </a:p>
                   </a:txBody>
                   <a:tcPr anchor="ctr"/>
@@ -12457,7 +12500,10 @@
                     <a:lstStyle/>
                     <a:p>
                       <a:pPr algn="ctr"/>
-                      <a:endParaRPr lang="en-IN"/>
+                      <a:r>
+                        <a:rPr lang="en-IN" dirty="0"/>
+                        <a:t>Write Reports and Analytics </a:t>
+                      </a:r>
                     </a:p>
                   </a:txBody>
                   <a:tcPr anchor="ctr"/>
@@ -12475,7 +12521,7 @@
                     <a:lstStyle/>
                     <a:p>
                       <a:pPr algn="ctr"/>
-                      <a:endParaRPr lang="en-IN"/>
+                      <a:endParaRPr lang="en-IN" dirty="0"/>
                     </a:p>
                   </a:txBody>
                   <a:tcPr anchor="ctr"/>

--- a/CustomerEngagements/beyondsoft/DR-Solution.pptx
+++ b/CustomerEngagements/beyondsoft/DR-Solution.pptx
@@ -14,7 +14,7 @@
     <p:sldId id="268" r:id="rId2"/>
     <p:sldId id="269" r:id="rId3"/>
     <p:sldId id="270" r:id="rId4"/>
-    <p:sldId id="264" r:id="rId5"/>
+    <p:sldId id="271" r:id="rId5"/>
     <p:sldId id="262" r:id="rId6"/>
   </p:sldIdLst>
   <p:sldSz cx="24377650" cy="13716000"/>
@@ -152,7 +152,7 @@
             <p14:sldId id="268"/>
             <p14:sldId id="269"/>
             <p14:sldId id="270"/>
-            <p14:sldId id="264"/>
+            <p14:sldId id="271"/>
             <p14:sldId id="262"/>
           </p14:sldIdLst>
         </p14:section>
@@ -307,7 +307,7 @@
               <a:pPr>
                 <a:defRPr/>
               </a:pPr>
-              <a:t>15.07.2023</a:t>
+              <a:t>17.07.2023</a:t>
             </a:fld>
             <a:endParaRPr lang="ru-RU"/>
           </a:p>
@@ -520,7 +520,7 @@
               <a:pPr>
                 <a:defRPr/>
               </a:pPr>
-              <a:t>7/15/2023</a:t>
+              <a:t>7/17/2023</a:t>
             </a:fld>
             <a:endParaRPr lang="en-US"/>
           </a:p>
@@ -8093,6 +8093,236 @@
           <a:chExt cx="0" cy="0"/>
         </a:xfrm>
       </p:grpSpPr>
+      <p:cxnSp>
+        <p:nvCxnSpPr>
+          <p:cNvPr id="173" name="Straight Connector 172">
+            <a:extLst>
+              <a:ext uri="{FF2B5EF4-FFF2-40B4-BE49-F238E27FC236}">
+                <a16:creationId xmlns:a16="http://schemas.microsoft.com/office/drawing/2014/main" id="{642DEE4F-0E0B-5771-EF31-1F19CF1B4CDB}"/>
+              </a:ext>
+            </a:extLst>
+          </p:cNvPr>
+          <p:cNvCxnSpPr>
+            <a:cxnSpLocks/>
+          </p:cNvCxnSpPr>
+          <p:nvPr/>
+        </p:nvCxnSpPr>
+        <p:spPr>
+          <a:xfrm>
+            <a:off x="2454581" y="2346161"/>
+            <a:ext cx="3324585" cy="0"/>
+          </a:xfrm>
+          <a:prstGeom prst="line">
+            <a:avLst/>
+          </a:prstGeom>
+          <a:ln w="38100">
+            <a:solidFill>
+              <a:schemeClr val="tx1">
+                <a:lumMod val="50000"/>
+                <a:lumOff val="50000"/>
+              </a:schemeClr>
+            </a:solidFill>
+          </a:ln>
+        </p:spPr>
+        <p:style>
+          <a:lnRef idx="1">
+            <a:schemeClr val="accent1"/>
+          </a:lnRef>
+          <a:fillRef idx="0">
+            <a:schemeClr val="accent1"/>
+          </a:fillRef>
+          <a:effectRef idx="0">
+            <a:schemeClr val="accent1"/>
+          </a:effectRef>
+          <a:fontRef idx="minor">
+            <a:schemeClr val="tx1"/>
+          </a:fontRef>
+        </p:style>
+      </p:cxnSp>
+      <p:cxnSp>
+        <p:nvCxnSpPr>
+          <p:cNvPr id="161" name="Straight Connector 160">
+            <a:extLst>
+              <a:ext uri="{FF2B5EF4-FFF2-40B4-BE49-F238E27FC236}">
+                <a16:creationId xmlns:a16="http://schemas.microsoft.com/office/drawing/2014/main" id="{EDA6102C-E34F-FA77-98EF-AD9002C7CC77}"/>
+              </a:ext>
+            </a:extLst>
+          </p:cNvPr>
+          <p:cNvCxnSpPr>
+            <a:cxnSpLocks/>
+          </p:cNvCxnSpPr>
+          <p:nvPr/>
+        </p:nvCxnSpPr>
+        <p:spPr>
+          <a:xfrm>
+            <a:off x="2471144" y="5026409"/>
+            <a:ext cx="3324585" cy="0"/>
+          </a:xfrm>
+          <a:prstGeom prst="line">
+            <a:avLst/>
+          </a:prstGeom>
+          <a:ln w="38100">
+            <a:solidFill>
+              <a:schemeClr val="tx1">
+                <a:lumMod val="50000"/>
+                <a:lumOff val="50000"/>
+              </a:schemeClr>
+            </a:solidFill>
+          </a:ln>
+        </p:spPr>
+        <p:style>
+          <a:lnRef idx="1">
+            <a:schemeClr val="accent1"/>
+          </a:lnRef>
+          <a:fillRef idx="0">
+            <a:schemeClr val="accent1"/>
+          </a:fillRef>
+          <a:effectRef idx="0">
+            <a:schemeClr val="accent1"/>
+          </a:effectRef>
+          <a:fontRef idx="minor">
+            <a:schemeClr val="tx1"/>
+          </a:fontRef>
+        </p:style>
+      </p:cxnSp>
+      <p:cxnSp>
+        <p:nvCxnSpPr>
+          <p:cNvPr id="38" name="Straight Connector 37">
+            <a:extLst>
+              <a:ext uri="{FF2B5EF4-FFF2-40B4-BE49-F238E27FC236}">
+                <a16:creationId xmlns:a16="http://schemas.microsoft.com/office/drawing/2014/main" id="{99CDBC5C-3CA6-61B2-B5D5-11E8A4D486F9}"/>
+              </a:ext>
+            </a:extLst>
+          </p:cNvPr>
+          <p:cNvCxnSpPr>
+            <a:cxnSpLocks/>
+          </p:cNvCxnSpPr>
+          <p:nvPr/>
+        </p:nvCxnSpPr>
+        <p:spPr>
+          <a:xfrm>
+            <a:off x="2471138" y="12768975"/>
+            <a:ext cx="3324585" cy="0"/>
+          </a:xfrm>
+          <a:prstGeom prst="line">
+            <a:avLst/>
+          </a:prstGeom>
+          <a:ln w="38100">
+            <a:solidFill>
+              <a:schemeClr val="tx1">
+                <a:lumMod val="50000"/>
+                <a:lumOff val="50000"/>
+              </a:schemeClr>
+            </a:solidFill>
+          </a:ln>
+        </p:spPr>
+        <p:style>
+          <a:lnRef idx="1">
+            <a:schemeClr val="accent1"/>
+          </a:lnRef>
+          <a:fillRef idx="0">
+            <a:schemeClr val="accent1"/>
+          </a:fillRef>
+          <a:effectRef idx="0">
+            <a:schemeClr val="accent1"/>
+          </a:effectRef>
+          <a:fontRef idx="minor">
+            <a:schemeClr val="tx1"/>
+          </a:fontRef>
+        </p:style>
+      </p:cxnSp>
+      <p:cxnSp>
+        <p:nvCxnSpPr>
+          <p:cNvPr id="109" name="Straight Connector 108">
+            <a:extLst>
+              <a:ext uri="{FF2B5EF4-FFF2-40B4-BE49-F238E27FC236}">
+                <a16:creationId xmlns:a16="http://schemas.microsoft.com/office/drawing/2014/main" id="{5A0BD5CB-917C-11A7-3C30-FABD4CA431D3}"/>
+              </a:ext>
+            </a:extLst>
+          </p:cNvPr>
+          <p:cNvCxnSpPr>
+            <a:cxnSpLocks/>
+          </p:cNvCxnSpPr>
+          <p:nvPr/>
+        </p:nvCxnSpPr>
+        <p:spPr>
+          <a:xfrm>
+            <a:off x="2464514" y="11112456"/>
+            <a:ext cx="3324585" cy="0"/>
+          </a:xfrm>
+          <a:prstGeom prst="line">
+            <a:avLst/>
+          </a:prstGeom>
+          <a:ln w="38100">
+            <a:solidFill>
+              <a:schemeClr val="tx1">
+                <a:lumMod val="50000"/>
+                <a:lumOff val="50000"/>
+              </a:schemeClr>
+            </a:solidFill>
+          </a:ln>
+        </p:spPr>
+        <p:style>
+          <a:lnRef idx="1">
+            <a:schemeClr val="accent1"/>
+          </a:lnRef>
+          <a:fillRef idx="0">
+            <a:schemeClr val="accent1"/>
+          </a:fillRef>
+          <a:effectRef idx="0">
+            <a:schemeClr val="accent1"/>
+          </a:effectRef>
+          <a:fontRef idx="minor">
+            <a:schemeClr val="tx1"/>
+          </a:fontRef>
+        </p:style>
+      </p:cxnSp>
+      <p:cxnSp>
+        <p:nvCxnSpPr>
+          <p:cNvPr id="134" name="Straight Connector 133">
+            <a:extLst>
+              <a:ext uri="{FF2B5EF4-FFF2-40B4-BE49-F238E27FC236}">
+                <a16:creationId xmlns:a16="http://schemas.microsoft.com/office/drawing/2014/main" id="{D061EA9B-BD65-D982-32B8-6FBF550822AF}"/>
+              </a:ext>
+            </a:extLst>
+          </p:cNvPr>
+          <p:cNvCxnSpPr>
+            <a:cxnSpLocks/>
+          </p:cNvCxnSpPr>
+          <p:nvPr/>
+        </p:nvCxnSpPr>
+        <p:spPr>
+          <a:xfrm>
+            <a:off x="2487707" y="8571361"/>
+            <a:ext cx="3324585" cy="0"/>
+          </a:xfrm>
+          <a:prstGeom prst="line">
+            <a:avLst/>
+          </a:prstGeom>
+          <a:ln w="38100">
+            <a:solidFill>
+              <a:schemeClr val="tx1">
+                <a:lumMod val="50000"/>
+                <a:lumOff val="50000"/>
+              </a:schemeClr>
+            </a:solidFill>
+          </a:ln>
+        </p:spPr>
+        <p:style>
+          <a:lnRef idx="1">
+            <a:schemeClr val="accent1"/>
+          </a:lnRef>
+          <a:fillRef idx="0">
+            <a:schemeClr val="accent1"/>
+          </a:fillRef>
+          <a:effectRef idx="0">
+            <a:schemeClr val="accent1"/>
+          </a:effectRef>
+          <a:fontRef idx="minor">
+            <a:schemeClr val="tx1"/>
+          </a:fontRef>
+        </p:style>
+      </p:cxnSp>
       <p:sp>
         <p:nvSpPr>
           <p:cNvPr id="24" name="Rectangle: Rounded Corners 23">
@@ -8193,7 +8423,7 @@
         </p:nvGrpSpPr>
         <p:grpSpPr>
           <a:xfrm>
-            <a:off x="13113487" y="12094988"/>
+            <a:off x="13174447" y="12094988"/>
             <a:ext cx="2360338" cy="1084296"/>
             <a:chOff x="1450964" y="740269"/>
             <a:chExt cx="1111137" cy="510436"/>
@@ -8400,52 +8630,6 @@
           </a:p>
         </p:txBody>
       </p:sp>
-      <p:cxnSp>
-        <p:nvCxnSpPr>
-          <p:cNvPr id="38" name="Straight Connector 37">
-            <a:extLst>
-              <a:ext uri="{FF2B5EF4-FFF2-40B4-BE49-F238E27FC236}">
-                <a16:creationId xmlns:a16="http://schemas.microsoft.com/office/drawing/2014/main" id="{99CDBC5C-3CA6-61B2-B5D5-11E8A4D486F9}"/>
-              </a:ext>
-            </a:extLst>
-          </p:cNvPr>
-          <p:cNvCxnSpPr>
-            <a:cxnSpLocks/>
-          </p:cNvCxnSpPr>
-          <p:nvPr/>
-        </p:nvCxnSpPr>
-        <p:spPr>
-          <a:xfrm>
-            <a:off x="2471138" y="12768975"/>
-            <a:ext cx="3324585" cy="0"/>
-          </a:xfrm>
-          <a:prstGeom prst="line">
-            <a:avLst/>
-          </a:prstGeom>
-          <a:ln w="38100">
-            <a:solidFill>
-              <a:schemeClr val="tx1">
-                <a:lumMod val="50000"/>
-                <a:lumOff val="50000"/>
-              </a:schemeClr>
-            </a:solidFill>
-          </a:ln>
-        </p:spPr>
-        <p:style>
-          <a:lnRef idx="1">
-            <a:schemeClr val="accent1"/>
-          </a:lnRef>
-          <a:fillRef idx="0">
-            <a:schemeClr val="accent1"/>
-          </a:fillRef>
-          <a:effectRef idx="0">
-            <a:schemeClr val="accent1"/>
-          </a:effectRef>
-          <a:fontRef idx="minor">
-            <a:schemeClr val="tx1"/>
-          </a:fontRef>
-        </p:style>
-      </p:cxnSp>
       <p:sp>
         <p:nvSpPr>
           <p:cNvPr id="42" name="TextBox 41">
@@ -8460,7 +8644,7 @@
         </p:nvSpPr>
         <p:spPr>
           <a:xfrm>
-            <a:off x="2384577" y="12254962"/>
+            <a:off x="2384577" y="12285442"/>
             <a:ext cx="3364250" cy="461665"/>
           </a:xfrm>
           <a:prstGeom prst="rect">
@@ -8622,7 +8806,7 @@
         </p:nvGrpSpPr>
         <p:grpSpPr>
           <a:xfrm>
-            <a:off x="9976041" y="10428533"/>
+            <a:off x="10829481" y="10428533"/>
             <a:ext cx="2360338" cy="1084296"/>
             <a:chOff x="1450964" y="740269"/>
             <a:chExt cx="1111137" cy="510436"/>
@@ -8777,7 +8961,7 @@
         </p:nvGrpSpPr>
         <p:grpSpPr>
           <a:xfrm>
-            <a:off x="14382380" y="10428533"/>
+            <a:off x="15235820" y="10428533"/>
             <a:ext cx="2360338" cy="1084296"/>
             <a:chOff x="1450964" y="740269"/>
             <a:chExt cx="1111137" cy="510436"/>
@@ -8918,52 +9102,6 @@
           </p:txBody>
         </p:sp>
       </p:grpSp>
-      <p:cxnSp>
-        <p:nvCxnSpPr>
-          <p:cNvPr id="109" name="Straight Connector 108">
-            <a:extLst>
-              <a:ext uri="{FF2B5EF4-FFF2-40B4-BE49-F238E27FC236}">
-                <a16:creationId xmlns:a16="http://schemas.microsoft.com/office/drawing/2014/main" id="{5A0BD5CB-917C-11A7-3C30-FABD4CA431D3}"/>
-              </a:ext>
-            </a:extLst>
-          </p:cNvPr>
-          <p:cNvCxnSpPr>
-            <a:cxnSpLocks/>
-          </p:cNvCxnSpPr>
-          <p:nvPr/>
-        </p:nvCxnSpPr>
-        <p:spPr>
-          <a:xfrm>
-            <a:off x="2464514" y="11112456"/>
-            <a:ext cx="3324585" cy="0"/>
-          </a:xfrm>
-          <a:prstGeom prst="line">
-            <a:avLst/>
-          </a:prstGeom>
-          <a:ln w="38100">
-            <a:solidFill>
-              <a:schemeClr val="tx1">
-                <a:lumMod val="50000"/>
-                <a:lumOff val="50000"/>
-              </a:schemeClr>
-            </a:solidFill>
-          </a:ln>
-        </p:spPr>
-        <p:style>
-          <a:lnRef idx="1">
-            <a:schemeClr val="accent1"/>
-          </a:lnRef>
-          <a:fillRef idx="0">
-            <a:schemeClr val="accent1"/>
-          </a:fillRef>
-          <a:effectRef idx="0">
-            <a:schemeClr val="accent1"/>
-          </a:effectRef>
-          <a:fontRef idx="minor">
-            <a:schemeClr val="tx1"/>
-          </a:fontRef>
-        </p:style>
-      </p:cxnSp>
       <p:sp>
         <p:nvSpPr>
           <p:cNvPr id="110" name="TextBox 109">
@@ -8978,7 +9116,7 @@
         </p:nvSpPr>
         <p:spPr>
           <a:xfrm>
-            <a:off x="2377953" y="10598443"/>
+            <a:off x="2377953" y="10628923"/>
             <a:ext cx="3364250" cy="461665"/>
           </a:xfrm>
           <a:prstGeom prst="rect">
@@ -9269,31 +9407,12 @@
             <a:p>
               <a:pPr algn="ctr"/>
               <a:r>
-                <a:rPr lang="en-US" sz="2400" dirty="0">
-                  <a:solidFill>
-                    <a:schemeClr val="tx1"/>
-                  </a:solidFill>
-                </a:rPr>
-                <a:t>F</a:t>
-              </a:r>
-              <a:r>
                 <a:rPr lang="en-IN" sz="2400" dirty="0">
                   <a:solidFill>
                     <a:schemeClr val="tx1"/>
                   </a:solidFill>
                 </a:rPr>
-                <a:t>SD-Api-Lead</a:t>
-              </a:r>
-            </a:p>
-            <a:p>
-              <a:pPr algn="ctr"/>
-              <a:r>
-                <a:rPr lang="en-IN" sz="2400" dirty="0">
-                  <a:solidFill>
-                    <a:schemeClr val="tx1"/>
-                  </a:solidFill>
-                </a:rPr>
-                <a:t>Architect</a:t>
+                <a:t>Api-Lead Developer</a:t>
               </a:r>
             </a:p>
           </p:txBody>
@@ -9433,31 +9552,46 @@
             <a:p>
               <a:pPr algn="ctr"/>
               <a:r>
-                <a:rPr lang="en-US" sz="2000" dirty="0">
+                <a:rPr lang="en-US" sz="2400" b="1" dirty="0">
+                  <a:solidFill>
+                    <a:schemeClr val="tx1"/>
+                  </a:solidFill>
+                  <a:effectLst>
+                    <a:outerShdw blurRad="38100" dist="38100" dir="2700000" algn="tl">
+                      <a:srgbClr val="000000">
+                        <a:alpha val="43137"/>
+                      </a:srgbClr>
+                    </a:outerShdw>
+                  </a:effectLst>
+                </a:rPr>
+                <a:t>4</a:t>
+              </a:r>
+              <a:r>
+                <a:rPr lang="en-US" sz="2400" dirty="0">
                   <a:solidFill>
                     <a:schemeClr val="tx1"/>
                   </a:solidFill>
                 </a:rPr>
-                <a:t>4 F</a:t>
+                <a:t> </a:t>
               </a:r>
               <a:r>
-                <a:rPr lang="en-IN" sz="2000" dirty="0">
+                <a:rPr lang="en-IN" sz="2400" dirty="0">
                   <a:solidFill>
                     <a:schemeClr val="tx1"/>
                   </a:solidFill>
                 </a:rPr>
-                <a:t>SD-Api Senior</a:t>
+                <a:t>Api Senior</a:t>
               </a:r>
             </a:p>
             <a:p>
               <a:pPr algn="ctr"/>
               <a:r>
-                <a:rPr lang="en-IN" sz="2000" dirty="0">
+                <a:rPr lang="en-IN" sz="2400" dirty="0">
                   <a:solidFill>
                     <a:schemeClr val="tx1"/>
                   </a:solidFill>
                 </a:rPr>
-                <a:t>Engineer</a:t>
+                <a:t>Developer</a:t>
               </a:r>
             </a:p>
           </p:txBody>
@@ -9597,31 +9731,12 @@
             <a:p>
               <a:pPr algn="ctr"/>
               <a:r>
-                <a:rPr lang="en-US" sz="2400" dirty="0">
-                  <a:solidFill>
-                    <a:schemeClr val="tx1"/>
-                  </a:solidFill>
-                </a:rPr>
-                <a:t>F</a:t>
-              </a:r>
-              <a:r>
                 <a:rPr lang="en-IN" sz="2400" dirty="0">
                   <a:solidFill>
                     <a:schemeClr val="tx1"/>
                   </a:solidFill>
                 </a:rPr>
-                <a:t>SD-Api-Lead</a:t>
-              </a:r>
-            </a:p>
-            <a:p>
-              <a:pPr algn="ctr"/>
-              <a:r>
-                <a:rPr lang="en-IN" sz="2400" dirty="0">
-                  <a:solidFill>
-                    <a:schemeClr val="tx1"/>
-                  </a:solidFill>
-                </a:rPr>
-                <a:t>Architect</a:t>
+                <a:t>Api-Lead Developer</a:t>
               </a:r>
             </a:p>
           </p:txBody>
@@ -9761,31 +9876,46 @@
             <a:p>
               <a:pPr algn="ctr"/>
               <a:r>
-                <a:rPr lang="en-US" sz="2000" dirty="0">
+                <a:rPr lang="en-US" sz="2400" b="1" dirty="0">
+                  <a:solidFill>
+                    <a:schemeClr val="tx1"/>
+                  </a:solidFill>
+                  <a:effectLst>
+                    <a:outerShdw blurRad="38100" dist="38100" dir="2700000" algn="tl">
+                      <a:srgbClr val="000000">
+                        <a:alpha val="43137"/>
+                      </a:srgbClr>
+                    </a:outerShdw>
+                  </a:effectLst>
+                </a:rPr>
+                <a:t>4</a:t>
+              </a:r>
+              <a:r>
+                <a:rPr lang="en-US" sz="2400" dirty="0">
                   <a:solidFill>
                     <a:schemeClr val="tx1"/>
                   </a:solidFill>
                 </a:rPr>
-                <a:t>4 F</a:t>
+                <a:t> </a:t>
               </a:r>
               <a:r>
-                <a:rPr lang="en-IN" sz="2000" dirty="0">
+                <a:rPr lang="en-IN" sz="2400" dirty="0">
                   <a:solidFill>
                     <a:schemeClr val="tx1"/>
                   </a:solidFill>
                 </a:rPr>
-                <a:t>SD-Api Senior</a:t>
+                <a:t>Api Senior</a:t>
               </a:r>
             </a:p>
             <a:p>
               <a:pPr algn="ctr"/>
               <a:r>
-                <a:rPr lang="en-IN" sz="2000" dirty="0">
+                <a:rPr lang="en-IN" sz="2400" dirty="0">
                   <a:solidFill>
                     <a:schemeClr val="tx1"/>
                   </a:solidFill>
                 </a:rPr>
-                <a:t>Engineer</a:t>
+                <a:t>Developer</a:t>
               </a:r>
             </a:p>
           </p:txBody>
@@ -9969,31 +10099,12 @@
             <a:p>
               <a:pPr algn="ctr"/>
               <a:r>
-                <a:rPr lang="en-US" sz="2400" dirty="0">
-                  <a:solidFill>
-                    <a:schemeClr val="tx1"/>
-                  </a:solidFill>
-                </a:rPr>
-                <a:t>F</a:t>
-              </a:r>
-              <a:r>
                 <a:rPr lang="en-IN" sz="2400" dirty="0">
                   <a:solidFill>
                     <a:schemeClr val="tx1"/>
                   </a:solidFill>
                 </a:rPr>
-                <a:t>SD-UI-Lead</a:t>
-              </a:r>
-            </a:p>
-            <a:p>
-              <a:pPr algn="ctr"/>
-              <a:r>
-                <a:rPr lang="en-IN" sz="2400" dirty="0">
-                  <a:solidFill>
-                    <a:schemeClr val="tx1"/>
-                  </a:solidFill>
-                </a:rPr>
-                <a:t>Architect</a:t>
+                <a:t>UI-Lead Developer</a:t>
               </a:r>
             </a:p>
           </p:txBody>
@@ -10133,82 +10244,51 @@
             <a:p>
               <a:pPr algn="ctr"/>
               <a:r>
-                <a:rPr lang="en-US" sz="2000" dirty="0">
+                <a:rPr lang="en-US" sz="2400" b="1" dirty="0">
+                  <a:solidFill>
+                    <a:schemeClr val="tx1"/>
+                  </a:solidFill>
+                  <a:effectLst>
+                    <a:outerShdw blurRad="38100" dist="38100" dir="2700000" algn="tl">
+                      <a:srgbClr val="000000">
+                        <a:alpha val="43137"/>
+                      </a:srgbClr>
+                    </a:outerShdw>
+                  </a:effectLst>
+                </a:rPr>
+                <a:t>2</a:t>
+              </a:r>
+              <a:r>
+                <a:rPr lang="en-US" sz="2400" dirty="0">
                   <a:solidFill>
                     <a:schemeClr val="tx1"/>
                   </a:solidFill>
                 </a:rPr>
-                <a:t>5 F</a:t>
+                <a:t> </a:t>
               </a:r>
               <a:r>
-                <a:rPr lang="en-IN" sz="2000" dirty="0">
+                <a:rPr lang="en-IN" sz="2400" dirty="0">
                   <a:solidFill>
                     <a:schemeClr val="tx1"/>
                   </a:solidFill>
                 </a:rPr>
-                <a:t>SD-UI Senior</a:t>
+                <a:t>UI Senior</a:t>
               </a:r>
             </a:p>
             <a:p>
               <a:pPr algn="ctr"/>
               <a:r>
-                <a:rPr lang="en-IN" sz="2000" dirty="0">
+                <a:rPr lang="en-IN" sz="2400" dirty="0">
                   <a:solidFill>
                     <a:schemeClr val="tx1"/>
                   </a:solidFill>
                 </a:rPr>
-                <a:t>Engineer</a:t>
+                <a:t>Developer</a:t>
               </a:r>
             </a:p>
           </p:txBody>
         </p:sp>
       </p:grpSp>
-      <p:cxnSp>
-        <p:nvCxnSpPr>
-          <p:cNvPr id="134" name="Straight Connector 133">
-            <a:extLst>
-              <a:ext uri="{FF2B5EF4-FFF2-40B4-BE49-F238E27FC236}">
-                <a16:creationId xmlns:a16="http://schemas.microsoft.com/office/drawing/2014/main" id="{D061EA9B-BD65-D982-32B8-6FBF550822AF}"/>
-              </a:ext>
-            </a:extLst>
-          </p:cNvPr>
-          <p:cNvCxnSpPr>
-            <a:cxnSpLocks/>
-          </p:cNvCxnSpPr>
-          <p:nvPr/>
-        </p:nvCxnSpPr>
-        <p:spPr>
-          <a:xfrm>
-            <a:off x="2487707" y="8571361"/>
-            <a:ext cx="3324585" cy="0"/>
-          </a:xfrm>
-          <a:prstGeom prst="line">
-            <a:avLst/>
-          </a:prstGeom>
-          <a:ln w="38100">
-            <a:solidFill>
-              <a:schemeClr val="tx1">
-                <a:lumMod val="50000"/>
-                <a:lumOff val="50000"/>
-              </a:schemeClr>
-            </a:solidFill>
-          </a:ln>
-        </p:spPr>
-        <p:style>
-          <a:lnRef idx="1">
-            <a:schemeClr val="accent1"/>
-          </a:lnRef>
-          <a:fillRef idx="0">
-            <a:schemeClr val="accent1"/>
-          </a:fillRef>
-          <a:effectRef idx="0">
-            <a:schemeClr val="accent1"/>
-          </a:effectRef>
-          <a:fontRef idx="minor">
-            <a:schemeClr val="tx1"/>
-          </a:fontRef>
-        </p:style>
-      </p:cxnSp>
       <p:sp>
         <p:nvSpPr>
           <p:cNvPr id="135" name="TextBox 134">
@@ -10223,7 +10303,7 @@
         </p:nvSpPr>
         <p:spPr>
           <a:xfrm>
-            <a:off x="2401146" y="8057348"/>
+            <a:off x="2401146" y="8077447"/>
             <a:ext cx="3364250" cy="461665"/>
           </a:xfrm>
           <a:prstGeom prst="rect">
@@ -10261,8 +10341,8 @@
         </p:nvSpPr>
         <p:spPr>
           <a:xfrm>
-            <a:off x="7165292" y="6768572"/>
-            <a:ext cx="3364250" cy="461665"/>
+            <a:off x="7683451" y="6768572"/>
+            <a:ext cx="6281183" cy="461665"/>
           </a:xfrm>
           <a:prstGeom prst="rect">
             <a:avLst/>
@@ -10283,7 +10363,7 @@
                 </a:solidFill>
                 <a:latin typeface="Raleway SemiBold" pitchFamily="2" charset="0"/>
               </a:rPr>
-              <a:t>BACKEND</a:t>
+              <a:t>BACKEND – Team Size 10 Engineers</a:t>
             </a:r>
           </a:p>
         </p:txBody>
@@ -10302,8 +10382,8 @@
         </p:nvSpPr>
         <p:spPr>
           <a:xfrm>
-            <a:off x="14881355" y="6768572"/>
-            <a:ext cx="3364250" cy="461665"/>
+            <a:off x="15399514" y="6768572"/>
+            <a:ext cx="6210805" cy="461665"/>
           </a:xfrm>
           <a:prstGeom prst="rect">
             <a:avLst/>
@@ -10324,7 +10404,7 @@
                 </a:solidFill>
                 <a:latin typeface="Raleway SemiBold" pitchFamily="2" charset="0"/>
               </a:rPr>
-              <a:t>FRONTEND</a:t>
+              <a:t>FRONTEND – Team Size 3 Engineers</a:t>
             </a:r>
           </a:p>
         </p:txBody>
@@ -10554,180 +10634,6 @@
                 <a:t>UX Lead</a:t>
               </a:r>
             </a:p>
-            <a:p>
-              <a:pPr algn="ctr"/>
-              <a:r>
-                <a:rPr lang="en-US" sz="2400" dirty="0">
-                  <a:solidFill>
-                    <a:schemeClr val="tx1"/>
-                  </a:solidFill>
-                </a:rPr>
-                <a:t>Architect</a:t>
-              </a:r>
-              <a:endParaRPr lang="en-IN" sz="2400" dirty="0">
-                <a:solidFill>
-                  <a:schemeClr val="tx1"/>
-                </a:solidFill>
-              </a:endParaRPr>
-            </a:p>
-          </p:txBody>
-        </p:sp>
-      </p:grpSp>
-      <p:grpSp>
-        <p:nvGrpSpPr>
-          <p:cNvPr id="143" name="Group 142">
-            <a:extLst>
-              <a:ext uri="{FF2B5EF4-FFF2-40B4-BE49-F238E27FC236}">
-                <a16:creationId xmlns:a16="http://schemas.microsoft.com/office/drawing/2014/main" id="{FB7389CB-3023-3BEE-7575-E249F1708C8E}"/>
-              </a:ext>
-            </a:extLst>
-          </p:cNvPr>
-          <p:cNvGrpSpPr/>
-          <p:nvPr/>
-        </p:nvGrpSpPr>
-        <p:grpSpPr>
-          <a:xfrm>
-            <a:off x="8074359" y="5190618"/>
-            <a:ext cx="2360338" cy="1084296"/>
-            <a:chOff x="1450964" y="740269"/>
-            <a:chExt cx="1111137" cy="510436"/>
-          </a:xfrm>
-        </p:grpSpPr>
-        <p:sp>
-          <p:nvSpPr>
-            <p:cNvPr id="144" name="Rectangle 143">
-              <a:extLst>
-                <a:ext uri="{FF2B5EF4-FFF2-40B4-BE49-F238E27FC236}">
-                  <a16:creationId xmlns:a16="http://schemas.microsoft.com/office/drawing/2014/main" id="{5AE45589-2691-5296-533F-50D8DD283BA8}"/>
-                </a:ext>
-              </a:extLst>
-            </p:cNvPr>
-            <p:cNvSpPr/>
-            <p:nvPr/>
-          </p:nvSpPr>
-          <p:spPr>
-            <a:xfrm>
-              <a:off x="1450964" y="740269"/>
-              <a:ext cx="1064241" cy="472332"/>
-            </a:xfrm>
-            <a:prstGeom prst="rect">
-              <a:avLst/>
-            </a:prstGeom>
-            <a:solidFill>
-              <a:schemeClr val="accent5"/>
-            </a:solidFill>
-            <a:ln>
-              <a:solidFill>
-                <a:srgbClr val="4472C4"/>
-              </a:solidFill>
-            </a:ln>
-          </p:spPr>
-          <p:style>
-            <a:lnRef idx="2">
-              <a:schemeClr val="accent1">
-                <a:shade val="50000"/>
-              </a:schemeClr>
-            </a:lnRef>
-            <a:fillRef idx="1">
-              <a:schemeClr val="accent1"/>
-            </a:fillRef>
-            <a:effectRef idx="0">
-              <a:schemeClr val="accent1"/>
-            </a:effectRef>
-            <a:fontRef idx="minor">
-              <a:schemeClr val="lt1"/>
-            </a:fontRef>
-          </p:style>
-          <p:txBody>
-            <a:bodyPr rtlCol="0" anchor="ctr"/>
-            <a:lstStyle/>
-            <a:p>
-              <a:pPr algn="ctr"/>
-              <a:endParaRPr lang="en-IN" sz="1118" dirty="0">
-                <a:solidFill>
-                  <a:schemeClr val="tx1"/>
-                </a:solidFill>
-              </a:endParaRPr>
-            </a:p>
-          </p:txBody>
-        </p:sp>
-        <p:sp>
-          <p:nvSpPr>
-            <p:cNvPr id="145" name="Rectangle 144">
-              <a:extLst>
-                <a:ext uri="{FF2B5EF4-FFF2-40B4-BE49-F238E27FC236}">
-                  <a16:creationId xmlns:a16="http://schemas.microsoft.com/office/drawing/2014/main" id="{3914911A-7A15-F042-1A5D-144A737982DA}"/>
-                </a:ext>
-              </a:extLst>
-            </p:cNvPr>
-            <p:cNvSpPr/>
-            <p:nvPr/>
-          </p:nvSpPr>
-          <p:spPr>
-            <a:xfrm>
-              <a:off x="1497860" y="778373"/>
-              <a:ext cx="1064241" cy="472332"/>
-            </a:xfrm>
-            <a:prstGeom prst="rect">
-              <a:avLst/>
-            </a:prstGeom>
-            <a:solidFill>
-              <a:schemeClr val="bg1">
-                <a:lumMod val="95000"/>
-              </a:schemeClr>
-            </a:solidFill>
-            <a:ln>
-              <a:solidFill>
-                <a:srgbClr val="4472C4"/>
-              </a:solidFill>
-            </a:ln>
-          </p:spPr>
-          <p:style>
-            <a:lnRef idx="2">
-              <a:schemeClr val="accent1">
-                <a:shade val="50000"/>
-              </a:schemeClr>
-            </a:lnRef>
-            <a:fillRef idx="1">
-              <a:schemeClr val="accent1"/>
-            </a:fillRef>
-            <a:effectRef idx="0">
-              <a:schemeClr val="accent1"/>
-            </a:effectRef>
-            <a:fontRef idx="minor">
-              <a:schemeClr val="lt1"/>
-            </a:fontRef>
-          </p:style>
-          <p:txBody>
-            <a:bodyPr rtlCol="0" anchor="ctr"/>
-            <a:lstStyle/>
-            <a:p>
-              <a:pPr algn="ctr"/>
-              <a:r>
-                <a:rPr lang="en-US" sz="2400" dirty="0">
-                  <a:solidFill>
-                    <a:schemeClr val="tx1"/>
-                  </a:solidFill>
-                </a:rPr>
-                <a:t>UX Senior</a:t>
-              </a:r>
-            </a:p>
-            <a:p>
-              <a:pPr algn="ctr"/>
-              <a:r>
-                <a:rPr lang="en-US" sz="2400" dirty="0">
-                  <a:solidFill>
-                    <a:schemeClr val="tx1"/>
-                  </a:solidFill>
-                </a:rPr>
-                <a:t>Engineer</a:t>
-              </a:r>
-              <a:endParaRPr lang="en-IN" sz="2400" dirty="0">
-                <a:solidFill>
-                  <a:schemeClr val="tx1"/>
-                </a:solidFill>
-              </a:endParaRPr>
-            </a:p>
           </p:txBody>
         </p:sp>
       </p:grpSp>
@@ -10889,210 +10795,6 @@
           </p:txBody>
         </p:sp>
       </p:grpSp>
-      <p:grpSp>
-        <p:nvGrpSpPr>
-          <p:cNvPr id="158" name="Group 157">
-            <a:extLst>
-              <a:ext uri="{FF2B5EF4-FFF2-40B4-BE49-F238E27FC236}">
-                <a16:creationId xmlns:a16="http://schemas.microsoft.com/office/drawing/2014/main" id="{3D020B89-7009-9F5B-2B72-7F368675BC9C}"/>
-              </a:ext>
-            </a:extLst>
-          </p:cNvPr>
-          <p:cNvGrpSpPr/>
-          <p:nvPr/>
-        </p:nvGrpSpPr>
-        <p:grpSpPr>
-          <a:xfrm>
-            <a:off x="17244846" y="5190618"/>
-            <a:ext cx="2360338" cy="1084296"/>
-            <a:chOff x="1450964" y="740269"/>
-            <a:chExt cx="1111137" cy="510436"/>
-          </a:xfrm>
-        </p:grpSpPr>
-        <p:sp>
-          <p:nvSpPr>
-            <p:cNvPr id="159" name="Rectangle 158">
-              <a:extLst>
-                <a:ext uri="{FF2B5EF4-FFF2-40B4-BE49-F238E27FC236}">
-                  <a16:creationId xmlns:a16="http://schemas.microsoft.com/office/drawing/2014/main" id="{03B60629-3018-0226-2F21-E9258847DB92}"/>
-                </a:ext>
-              </a:extLst>
-            </p:cNvPr>
-            <p:cNvSpPr/>
-            <p:nvPr/>
-          </p:nvSpPr>
-          <p:spPr>
-            <a:xfrm>
-              <a:off x="1450964" y="740269"/>
-              <a:ext cx="1064241" cy="472332"/>
-            </a:xfrm>
-            <a:prstGeom prst="rect">
-              <a:avLst/>
-            </a:prstGeom>
-            <a:solidFill>
-              <a:schemeClr val="accent5"/>
-            </a:solidFill>
-            <a:ln>
-              <a:solidFill>
-                <a:srgbClr val="4472C4"/>
-              </a:solidFill>
-            </a:ln>
-          </p:spPr>
-          <p:style>
-            <a:lnRef idx="2">
-              <a:schemeClr val="accent1">
-                <a:shade val="50000"/>
-              </a:schemeClr>
-            </a:lnRef>
-            <a:fillRef idx="1">
-              <a:schemeClr val="accent1"/>
-            </a:fillRef>
-            <a:effectRef idx="0">
-              <a:schemeClr val="accent1"/>
-            </a:effectRef>
-            <a:fontRef idx="minor">
-              <a:schemeClr val="lt1"/>
-            </a:fontRef>
-          </p:style>
-          <p:txBody>
-            <a:bodyPr rtlCol="0" anchor="ctr"/>
-            <a:lstStyle/>
-            <a:p>
-              <a:pPr algn="ctr"/>
-              <a:endParaRPr lang="en-IN" sz="1118" dirty="0">
-                <a:solidFill>
-                  <a:schemeClr val="tx1"/>
-                </a:solidFill>
-              </a:endParaRPr>
-            </a:p>
-          </p:txBody>
-        </p:sp>
-        <p:sp>
-          <p:nvSpPr>
-            <p:cNvPr id="160" name="Rectangle 159">
-              <a:extLst>
-                <a:ext uri="{FF2B5EF4-FFF2-40B4-BE49-F238E27FC236}">
-                  <a16:creationId xmlns:a16="http://schemas.microsoft.com/office/drawing/2014/main" id="{2C7E7064-33D8-7920-B6B9-4B10480C0D25}"/>
-                </a:ext>
-              </a:extLst>
-            </p:cNvPr>
-            <p:cNvSpPr/>
-            <p:nvPr/>
-          </p:nvSpPr>
-          <p:spPr>
-            <a:xfrm>
-              <a:off x="1497860" y="778373"/>
-              <a:ext cx="1064241" cy="472332"/>
-            </a:xfrm>
-            <a:prstGeom prst="rect">
-              <a:avLst/>
-            </a:prstGeom>
-            <a:solidFill>
-              <a:schemeClr val="bg1">
-                <a:lumMod val="95000"/>
-              </a:schemeClr>
-            </a:solidFill>
-            <a:ln>
-              <a:solidFill>
-                <a:srgbClr val="4472C4"/>
-              </a:solidFill>
-            </a:ln>
-          </p:spPr>
-          <p:style>
-            <a:lnRef idx="2">
-              <a:schemeClr val="accent1">
-                <a:shade val="50000"/>
-              </a:schemeClr>
-            </a:lnRef>
-            <a:fillRef idx="1">
-              <a:schemeClr val="accent1"/>
-            </a:fillRef>
-            <a:effectRef idx="0">
-              <a:schemeClr val="accent1"/>
-            </a:effectRef>
-            <a:fontRef idx="minor">
-              <a:schemeClr val="lt1"/>
-            </a:fontRef>
-          </p:style>
-          <p:txBody>
-            <a:bodyPr rtlCol="0" anchor="ctr"/>
-            <a:lstStyle/>
-            <a:p>
-              <a:pPr algn="ctr"/>
-              <a:r>
-                <a:rPr lang="en-US" sz="2400" dirty="0">
-                  <a:solidFill>
-                    <a:schemeClr val="tx1"/>
-                  </a:solidFill>
-                </a:rPr>
-                <a:t>UX Senior</a:t>
-              </a:r>
-            </a:p>
-            <a:p>
-              <a:pPr algn="ctr"/>
-              <a:r>
-                <a:rPr lang="en-US" sz="2400" dirty="0">
-                  <a:solidFill>
-                    <a:schemeClr val="tx1"/>
-                  </a:solidFill>
-                </a:rPr>
-                <a:t>Engineer</a:t>
-              </a:r>
-              <a:endParaRPr lang="en-IN" sz="2400" dirty="0">
-                <a:solidFill>
-                  <a:schemeClr val="tx1"/>
-                </a:solidFill>
-              </a:endParaRPr>
-            </a:p>
-          </p:txBody>
-        </p:sp>
-      </p:grpSp>
-      <p:cxnSp>
-        <p:nvCxnSpPr>
-          <p:cNvPr id="161" name="Straight Connector 160">
-            <a:extLst>
-              <a:ext uri="{FF2B5EF4-FFF2-40B4-BE49-F238E27FC236}">
-                <a16:creationId xmlns:a16="http://schemas.microsoft.com/office/drawing/2014/main" id="{EDA6102C-E34F-FA77-98EF-AD9002C7CC77}"/>
-              </a:ext>
-            </a:extLst>
-          </p:cNvPr>
-          <p:cNvCxnSpPr>
-            <a:cxnSpLocks/>
-          </p:cNvCxnSpPr>
-          <p:nvPr/>
-        </p:nvCxnSpPr>
-        <p:spPr>
-          <a:xfrm>
-            <a:off x="2471144" y="5026409"/>
-            <a:ext cx="3324585" cy="0"/>
-          </a:xfrm>
-          <a:prstGeom prst="line">
-            <a:avLst/>
-          </a:prstGeom>
-          <a:ln w="38100">
-            <a:solidFill>
-              <a:schemeClr val="tx1">
-                <a:lumMod val="50000"/>
-                <a:lumOff val="50000"/>
-              </a:schemeClr>
-            </a:solidFill>
-          </a:ln>
-        </p:spPr>
-        <p:style>
-          <a:lnRef idx="1">
-            <a:schemeClr val="accent1"/>
-          </a:lnRef>
-          <a:fillRef idx="0">
-            <a:schemeClr val="accent1"/>
-          </a:fillRef>
-          <a:effectRef idx="0">
-            <a:schemeClr val="accent1"/>
-          </a:effectRef>
-          <a:fontRef idx="minor">
-            <a:schemeClr val="tx1"/>
-          </a:fontRef>
-        </p:style>
-      </p:cxnSp>
       <p:sp>
         <p:nvSpPr>
           <p:cNvPr id="162" name="TextBox 161">
@@ -11107,7 +10809,7 @@
         </p:nvSpPr>
         <p:spPr>
           <a:xfrm>
-            <a:off x="2434278" y="4492513"/>
+            <a:off x="2434278" y="4532932"/>
             <a:ext cx="3364250" cy="461665"/>
           </a:xfrm>
           <a:prstGeom prst="rect">
@@ -11531,7 +11233,7 @@
         </p:nvSpPr>
         <p:spPr>
           <a:xfrm>
-            <a:off x="2397830" y="1852030"/>
+            <a:off x="2397830" y="1892670"/>
             <a:ext cx="3364250" cy="461665"/>
           </a:xfrm>
           <a:prstGeom prst="rect">
@@ -11555,52 +11257,6 @@
           </a:p>
         </p:txBody>
       </p:sp>
-      <p:cxnSp>
-        <p:nvCxnSpPr>
-          <p:cNvPr id="173" name="Straight Connector 172">
-            <a:extLst>
-              <a:ext uri="{FF2B5EF4-FFF2-40B4-BE49-F238E27FC236}">
-                <a16:creationId xmlns:a16="http://schemas.microsoft.com/office/drawing/2014/main" id="{642DEE4F-0E0B-5771-EF31-1F19CF1B4CDB}"/>
-              </a:ext>
-            </a:extLst>
-          </p:cNvPr>
-          <p:cNvCxnSpPr>
-            <a:cxnSpLocks/>
-          </p:cNvCxnSpPr>
-          <p:nvPr/>
-        </p:nvCxnSpPr>
-        <p:spPr>
-          <a:xfrm>
-            <a:off x="2454581" y="2346161"/>
-            <a:ext cx="3324585" cy="0"/>
-          </a:xfrm>
-          <a:prstGeom prst="line">
-            <a:avLst/>
-          </a:prstGeom>
-          <a:ln w="38100">
-            <a:solidFill>
-              <a:schemeClr val="tx1">
-                <a:lumMod val="50000"/>
-                <a:lumOff val="50000"/>
-              </a:schemeClr>
-            </a:solidFill>
-          </a:ln>
-        </p:spPr>
-        <p:style>
-          <a:lnRef idx="1">
-            <a:schemeClr val="accent1"/>
-          </a:lnRef>
-          <a:fillRef idx="0">
-            <a:schemeClr val="accent1"/>
-          </a:fillRef>
-          <a:effectRef idx="0">
-            <a:schemeClr val="accent1"/>
-          </a:effectRef>
-          <a:fontRef idx="minor">
-            <a:schemeClr val="tx1"/>
-          </a:fontRef>
-        </p:style>
-      </p:cxnSp>
       <p:sp>
         <p:nvSpPr>
           <p:cNvPr id="174" name="TextBox 173">
@@ -11615,8 +11271,8 @@
         </p:nvSpPr>
         <p:spPr>
           <a:xfrm>
-            <a:off x="8815338" y="324972"/>
-            <a:ext cx="7500890" cy="830997"/>
+            <a:off x="10093630" y="324972"/>
+            <a:ext cx="5123209" cy="830997"/>
           </a:xfrm>
           <a:prstGeom prst="rect">
             <a:avLst/>
@@ -11665,51 +11321,8 @@
         </p:nvCxnSpPr>
         <p:spPr>
           <a:xfrm>
-            <a:off x="9113834" y="4870173"/>
-            <a:ext cx="9601548" cy="0"/>
-          </a:xfrm>
-          <a:prstGeom prst="line">
-            <a:avLst/>
-          </a:prstGeom>
-          <a:ln w="28575">
-            <a:solidFill>
-              <a:srgbClr val="9F61F1"/>
-            </a:solidFill>
-          </a:ln>
-        </p:spPr>
-        <p:style>
-          <a:lnRef idx="1">
-            <a:schemeClr val="accent1"/>
-          </a:lnRef>
-          <a:fillRef idx="0">
-            <a:schemeClr val="accent1"/>
-          </a:fillRef>
-          <a:effectRef idx="0">
-            <a:schemeClr val="accent1"/>
-          </a:effectRef>
-          <a:fontRef idx="minor">
-            <a:schemeClr val="tx1"/>
-          </a:fontRef>
-        </p:style>
-      </p:cxnSp>
-      <p:cxnSp>
-        <p:nvCxnSpPr>
-          <p:cNvPr id="177" name="Straight Connector 176">
-            <a:extLst>
-              <a:ext uri="{FF2B5EF4-FFF2-40B4-BE49-F238E27FC236}">
-                <a16:creationId xmlns:a16="http://schemas.microsoft.com/office/drawing/2014/main" id="{0BD4EC93-339E-E14B-03C5-59477E0C4891}"/>
-              </a:ext>
-            </a:extLst>
-          </p:cNvPr>
-          <p:cNvCxnSpPr>
-            <a:cxnSpLocks/>
-          </p:cNvCxnSpPr>
-          <p:nvPr/>
-        </p:nvCxnSpPr>
-        <p:spPr>
-          <a:xfrm>
-            <a:off x="9113834" y="4870173"/>
-            <a:ext cx="0" cy="393066"/>
+            <a:off x="12079003" y="4870173"/>
+            <a:ext cx="3200735" cy="0"/>
           </a:xfrm>
           <a:prstGeom prst="line">
             <a:avLst/>
@@ -11795,49 +11408,6 @@
         <p:spPr>
           <a:xfrm>
             <a:off x="15272772" y="4873488"/>
-            <a:ext cx="0" cy="393066"/>
-          </a:xfrm>
-          <a:prstGeom prst="line">
-            <a:avLst/>
-          </a:prstGeom>
-          <a:ln w="28575">
-            <a:solidFill>
-              <a:srgbClr val="9F61F1"/>
-            </a:solidFill>
-          </a:ln>
-        </p:spPr>
-        <p:style>
-          <a:lnRef idx="1">
-            <a:schemeClr val="accent1"/>
-          </a:lnRef>
-          <a:fillRef idx="0">
-            <a:schemeClr val="accent1"/>
-          </a:fillRef>
-          <a:effectRef idx="0">
-            <a:schemeClr val="accent1"/>
-          </a:effectRef>
-          <a:fontRef idx="minor">
-            <a:schemeClr val="tx1"/>
-          </a:fontRef>
-        </p:style>
-      </p:cxnSp>
-      <p:cxnSp>
-        <p:nvCxnSpPr>
-          <p:cNvPr id="189" name="Straight Connector 188">
-            <a:extLst>
-              <a:ext uri="{FF2B5EF4-FFF2-40B4-BE49-F238E27FC236}">
-                <a16:creationId xmlns:a16="http://schemas.microsoft.com/office/drawing/2014/main" id="{94B33A00-69EA-AB6D-B4B1-9966F915199F}"/>
-              </a:ext>
-            </a:extLst>
-          </p:cNvPr>
-          <p:cNvCxnSpPr>
-            <a:cxnSpLocks/>
-          </p:cNvCxnSpPr>
-          <p:nvPr/>
-        </p:nvCxnSpPr>
-        <p:spPr>
-          <a:xfrm>
-            <a:off x="18724956" y="4873488"/>
             <a:ext cx="0" cy="393066"/>
           </a:xfrm>
           <a:prstGeom prst="line">
@@ -12038,10 +11608,10 @@
       </p:cxnSp>
       <p:sp>
         <p:nvSpPr>
-          <p:cNvPr id="195" name="TextBox 194">
+          <p:cNvPr id="4" name="TextBox 3">
             <a:extLst>
               <a:ext uri="{FF2B5EF4-FFF2-40B4-BE49-F238E27FC236}">
-                <a16:creationId xmlns:a16="http://schemas.microsoft.com/office/drawing/2014/main" id="{38413F68-13F6-BE01-F101-E2F00635E49A}"/>
+                <a16:creationId xmlns:a16="http://schemas.microsoft.com/office/drawing/2014/main" id="{50E8FD04-318A-EE85-EBB7-38FE229A4BDB}"/>
               </a:ext>
             </a:extLst>
           </p:cNvPr>
@@ -12050,8 +11620,8 @@
         </p:nvSpPr>
         <p:spPr>
           <a:xfrm>
-            <a:off x="18999270" y="378830"/>
-            <a:ext cx="3364250" cy="461665"/>
+            <a:off x="6207829" y="3558910"/>
+            <a:ext cx="4143811" cy="461665"/>
           </a:xfrm>
           <a:prstGeom prst="rect">
             <a:avLst/>
@@ -12067,9 +11637,51 @@
             <a:pPr algn="ctr"/>
             <a:r>
               <a:rPr lang="en-IN" sz="2400" dirty="0">
-                <a:latin typeface="Raleway SemiBold" pitchFamily="2" charset="0"/>
+                <a:latin typeface="Roboto" panose="02000000000000000000" pitchFamily="2" charset="0"/>
+                <a:ea typeface="Roboto" panose="02000000000000000000" pitchFamily="2" charset="0"/>
+                <a:cs typeface="Roboto" panose="02000000000000000000" pitchFamily="2" charset="0"/>
               </a:rPr>
-              <a:t>SYNECTIKS INC</a:t>
+              <a:t>Team Size – 3 Engineers</a:t>
+            </a:r>
+          </a:p>
+        </p:txBody>
+      </p:sp>
+      <p:sp>
+        <p:nvSpPr>
+          <p:cNvPr id="5" name="TextBox 4">
+            <a:extLst>
+              <a:ext uri="{FF2B5EF4-FFF2-40B4-BE49-F238E27FC236}">
+                <a16:creationId xmlns:a16="http://schemas.microsoft.com/office/drawing/2014/main" id="{86B1579D-E0F5-B3BC-9156-9A83ADFF5C3C}"/>
+              </a:ext>
+            </a:extLst>
+          </p:cNvPr>
+          <p:cNvSpPr txBox="1"/>
+          <p:nvPr/>
+        </p:nvSpPr>
+        <p:spPr>
+          <a:xfrm>
+            <a:off x="5679509" y="10437230"/>
+            <a:ext cx="4143811" cy="461665"/>
+          </a:xfrm>
+          <a:prstGeom prst="rect">
+            <a:avLst/>
+          </a:prstGeom>
+          <a:noFill/>
+        </p:spPr>
+        <p:txBody>
+          <a:bodyPr wrap="square" rtlCol="0">
+            <a:spAutoFit/>
+          </a:bodyPr>
+          <a:lstStyle/>
+          <a:p>
+            <a:pPr algn="ctr"/>
+            <a:r>
+              <a:rPr lang="en-IN" sz="2400" dirty="0">
+                <a:latin typeface="Roboto" panose="02000000000000000000" pitchFamily="2" charset="0"/>
+                <a:ea typeface="Roboto" panose="02000000000000000000" pitchFamily="2" charset="0"/>
+                <a:cs typeface="Roboto" panose="02000000000000000000" pitchFamily="2" charset="0"/>
+              </a:rPr>
+              <a:t>Team Size – 2 Engineers</a:t>
             </a:r>
           </a:p>
         </p:txBody>
@@ -12077,7 +11689,7 @@
     </p:spTree>
     <p:extLst>
       <p:ext uri="{BB962C8B-B14F-4D97-AF65-F5344CB8AC3E}">
-        <p14:creationId xmlns:p14="http://schemas.microsoft.com/office/powerpoint/2010/main" val="3278090345"/>
+        <p14:creationId xmlns:p14="http://schemas.microsoft.com/office/powerpoint/2010/main" val="13928927"/>
       </p:ext>
     </p:extLst>
   </p:cSld>
